--- a/materials/pptx/PPI_202002_DayIIB.pptx
+++ b/materials/pptx/PPI_202002_DayIIB.pptx
@@ -213,7 +213,7 @@
           <a:p>
             <a:fld id="{1DC7E96B-8055-4459-8E97-86621CF70FE4}" type="datetimeFigureOut">
               <a:rPr lang="en-US" smtClean="0"/>
-              <a:t>2/5/2020</a:t>
+              <a:t>2/6/2020</a:t>
             </a:fld>
             <a:endParaRPr lang="en-US"/>
           </a:p>
@@ -379,7 +379,7 @@
           <a:p>
             <a:fld id="{773A1909-AA12-499E-B6FE-CAB257D8E7A3}" type="datetimeFigureOut">
               <a:rPr lang="en-US" smtClean="0"/>
-              <a:t>2/5/2020</a:t>
+              <a:t>2/6/2020</a:t>
             </a:fld>
             <a:endParaRPr lang="en-US"/>
           </a:p>
@@ -974,7 +974,7 @@
           <a:p>
             <a:fld id="{766BF591-CF08-47A7-92BC-BF6FCE50560E}" type="datetimeFigureOut">
               <a:rPr lang="en-US" smtClean="0"/>
-              <a:t>2/5/2020</a:t>
+              <a:t>2/6/2020</a:t>
             </a:fld>
             <a:endParaRPr lang="en-US"/>
           </a:p>
@@ -1151,7 +1151,7 @@
           <a:p>
             <a:fld id="{766BF591-CF08-47A7-92BC-BF6FCE50560E}" type="datetimeFigureOut">
               <a:rPr lang="en-US" smtClean="0"/>
-              <a:t>2/5/2020</a:t>
+              <a:t>2/6/2020</a:t>
             </a:fld>
             <a:endParaRPr lang="en-US"/>
           </a:p>
@@ -1331,7 +1331,7 @@
           <a:p>
             <a:fld id="{766BF591-CF08-47A7-92BC-BF6FCE50560E}" type="datetimeFigureOut">
               <a:rPr lang="en-US" smtClean="0"/>
-              <a:t>2/5/2020</a:t>
+              <a:t>2/6/2020</a:t>
             </a:fld>
             <a:endParaRPr lang="en-US"/>
           </a:p>
@@ -1501,7 +1501,7 @@
           <a:p>
             <a:fld id="{766BF591-CF08-47A7-92BC-BF6FCE50560E}" type="datetimeFigureOut">
               <a:rPr lang="en-US" smtClean="0"/>
-              <a:t>2/5/2020</a:t>
+              <a:t>2/6/2020</a:t>
             </a:fld>
             <a:endParaRPr lang="en-US"/>
           </a:p>
@@ -1747,7 +1747,7 @@
           <a:p>
             <a:fld id="{766BF591-CF08-47A7-92BC-BF6FCE50560E}" type="datetimeFigureOut">
               <a:rPr lang="en-US" smtClean="0"/>
-              <a:t>2/5/2020</a:t>
+              <a:t>2/6/2020</a:t>
             </a:fld>
             <a:endParaRPr lang="en-US"/>
           </a:p>
@@ -1979,7 +1979,7 @@
           <a:p>
             <a:fld id="{766BF591-CF08-47A7-92BC-BF6FCE50560E}" type="datetimeFigureOut">
               <a:rPr lang="en-US" smtClean="0"/>
-              <a:t>2/5/2020</a:t>
+              <a:t>2/6/2020</a:t>
             </a:fld>
             <a:endParaRPr lang="en-US"/>
           </a:p>
@@ -2346,7 +2346,7 @@
           <a:p>
             <a:fld id="{766BF591-CF08-47A7-92BC-BF6FCE50560E}" type="datetimeFigureOut">
               <a:rPr lang="en-US" smtClean="0"/>
-              <a:t>2/5/2020</a:t>
+              <a:t>2/6/2020</a:t>
             </a:fld>
             <a:endParaRPr lang="en-US"/>
           </a:p>
@@ -2464,7 +2464,7 @@
           <a:p>
             <a:fld id="{766BF591-CF08-47A7-92BC-BF6FCE50560E}" type="datetimeFigureOut">
               <a:rPr lang="en-US" smtClean="0"/>
-              <a:t>2/5/2020</a:t>
+              <a:t>2/6/2020</a:t>
             </a:fld>
             <a:endParaRPr lang="en-US"/>
           </a:p>
@@ -2559,7 +2559,7 @@
           <a:p>
             <a:fld id="{766BF591-CF08-47A7-92BC-BF6FCE50560E}" type="datetimeFigureOut">
               <a:rPr lang="en-US" smtClean="0"/>
-              <a:t>2/5/2020</a:t>
+              <a:t>2/6/2020</a:t>
             </a:fld>
             <a:endParaRPr lang="en-US"/>
           </a:p>
@@ -2836,7 +2836,7 @@
           <a:p>
             <a:fld id="{766BF591-CF08-47A7-92BC-BF6FCE50560E}" type="datetimeFigureOut">
               <a:rPr lang="en-US" smtClean="0"/>
-              <a:t>2/5/2020</a:t>
+              <a:t>2/6/2020</a:t>
             </a:fld>
             <a:endParaRPr lang="en-US"/>
           </a:p>
@@ -3089,7 +3089,7 @@
           <a:p>
             <a:fld id="{766BF591-CF08-47A7-92BC-BF6FCE50560E}" type="datetimeFigureOut">
               <a:rPr lang="en-US" smtClean="0"/>
-              <a:t>2/5/2020</a:t>
+              <a:t>2/6/2020</a:t>
             </a:fld>
             <a:endParaRPr lang="en-US"/>
           </a:p>
@@ -3302,7 +3302,7 @@
           <a:p>
             <a:fld id="{766BF591-CF08-47A7-92BC-BF6FCE50560E}" type="datetimeFigureOut">
               <a:rPr lang="en-US" smtClean="0"/>
-              <a:t>2/5/2020</a:t>
+              <a:t>2/6/2020</a:t>
             </a:fld>
             <a:endParaRPr lang="en-US"/>
           </a:p>
@@ -12832,48 +12832,6 @@
           </p:txBody>
         </p:sp>
       </p:grpSp>
-      <p:pic>
-        <p:nvPicPr>
-          <p:cNvPr id="45" name="Picture 44"/>
-          <p:cNvPicPr>
-            <a:picLocks noChangeAspect="1"/>
-          </p:cNvPicPr>
-          <p:nvPr/>
-        </p:nvPicPr>
-        <p:blipFill rotWithShape="1">
-          <a:blip r:embed="rId3">
-            <a:extLst>
-              <a:ext uri="{28A0092B-C50C-407E-A947-70E740481C1C}">
-                <a14:useLocalDpi xmlns:a14="http://schemas.microsoft.com/office/drawing/2010/main" val="0"/>
-              </a:ext>
-            </a:extLst>
-          </a:blip>
-          <a:srcRect l="8789" t="20315" r="22771" b="36627"/>
-          <a:stretch/>
-        </p:blipFill>
-        <p:spPr>
-          <a:xfrm>
-            <a:off x="309273" y="1135535"/>
-            <a:ext cx="6766560" cy="5486400"/>
-          </a:xfrm>
-          <a:prstGeom prst="rect">
-            <a:avLst/>
-          </a:prstGeom>
-          <a:noFill/>
-          <a:ln>
-            <a:solidFill>
-              <a:schemeClr val="tx1"/>
-            </a:solidFill>
-          </a:ln>
-          <a:effectLst>
-            <a:outerShdw blurRad="50800" dist="38100" dir="2700000" algn="tl" rotWithShape="0">
-              <a:prstClr val="black">
-                <a:alpha val="40000"/>
-              </a:prstClr>
-            </a:outerShdw>
-          </a:effectLst>
-        </p:spPr>
-      </p:pic>
     </p:spTree>
     <p:extLst>
       <p:ext uri="{BB962C8B-B14F-4D97-AF65-F5344CB8AC3E}">
@@ -20412,91 +20370,7 @@
   <p:timing>
     <p:tnLst>
       <p:par>
-        <p:cTn id="1" dur="indefinite" restart="never" nodeType="tmRoot">
-          <p:childTnLst>
-            <p:seq concurrent="1" nextAc="seek">
-              <p:cTn id="2" dur="indefinite" nodeType="mainSeq">
-                <p:childTnLst>
-                  <p:par>
-                    <p:cTn id="3" fill="hold">
-                      <p:stCondLst>
-                        <p:cond delay="indefinite"/>
-                      </p:stCondLst>
-                      <p:childTnLst>
-                        <p:par>
-                          <p:cTn id="4" fill="hold">
-                            <p:stCondLst>
-                              <p:cond delay="0"/>
-                            </p:stCondLst>
-                            <p:childTnLst>
-                              <p:par>
-                                <p:cTn id="5" presetID="1" presetClass="entr" presetSubtype="0" fill="hold" nodeType="clickEffect">
-                                  <p:stCondLst>
-                                    <p:cond delay="0"/>
-                                  </p:stCondLst>
-                                  <p:childTnLst>
-                                    <p:set>
-                                      <p:cBhvr>
-                                        <p:cTn id="6" dur="1" fill="hold">
-                                          <p:stCondLst>
-                                            <p:cond delay="0"/>
-                                          </p:stCondLst>
-                                        </p:cTn>
-                                        <p:tgtEl>
-                                          <p:spTgt spid="52"/>
-                                        </p:tgtEl>
-                                        <p:attrNameLst>
-                                          <p:attrName>style.visibility</p:attrName>
-                                        </p:attrNameLst>
-                                      </p:cBhvr>
-                                      <p:to>
-                                        <p:strVal val="visible"/>
-                                      </p:to>
-                                    </p:set>
-                                  </p:childTnLst>
-                                  <p:subTnLst>
-                                    <p:set>
-                                      <p:cBhvr override="childStyle">
-                                        <p:cTn dur="1" fill="hold" display="0" masterRel="nextClick" afterEffect="1"/>
-                                        <p:tgtEl>
-                                          <p:spTgt spid="52"/>
-                                        </p:tgtEl>
-                                        <p:attrNameLst>
-                                          <p:attrName>style.visibility</p:attrName>
-                                        </p:attrNameLst>
-                                      </p:cBhvr>
-                                      <p:to>
-                                        <p:strVal val="hidden"/>
-                                      </p:to>
-                                    </p:set>
-                                  </p:subTnLst>
-                                </p:cTn>
-                              </p:par>
-                            </p:childTnLst>
-                          </p:cTn>
-                        </p:par>
-                      </p:childTnLst>
-                    </p:cTn>
-                  </p:par>
-                </p:childTnLst>
-              </p:cTn>
-              <p:prevCondLst>
-                <p:cond evt="onPrev" delay="0">
-                  <p:tgtEl>
-                    <p:sldTgt/>
-                  </p:tgtEl>
-                </p:cond>
-              </p:prevCondLst>
-              <p:nextCondLst>
-                <p:cond evt="onNext" delay="0">
-                  <p:tgtEl>
-                    <p:sldTgt/>
-                  </p:tgtEl>
-                </p:cond>
-              </p:nextCondLst>
-            </p:seq>
-          </p:childTnLst>
-        </p:cTn>
+        <p:cTn id="1" dur="indefinite" restart="never" nodeType="tmRoot"/>
       </p:par>
     </p:tnLst>
   </p:timing>
@@ -22135,91 +22009,7 @@
   <p:timing>
     <p:tnLst>
       <p:par>
-        <p:cTn id="1" dur="indefinite" restart="never" nodeType="tmRoot">
-          <p:childTnLst>
-            <p:seq concurrent="1" nextAc="seek">
-              <p:cTn id="2" dur="indefinite" nodeType="mainSeq">
-                <p:childTnLst>
-                  <p:par>
-                    <p:cTn id="3" fill="hold">
-                      <p:stCondLst>
-                        <p:cond delay="indefinite"/>
-                      </p:stCondLst>
-                      <p:childTnLst>
-                        <p:par>
-                          <p:cTn id="4" fill="hold">
-                            <p:stCondLst>
-                              <p:cond delay="0"/>
-                            </p:stCondLst>
-                            <p:childTnLst>
-                              <p:par>
-                                <p:cTn id="5" presetID="1" presetClass="entr" presetSubtype="0" fill="hold" nodeType="clickEffect">
-                                  <p:stCondLst>
-                                    <p:cond delay="0"/>
-                                  </p:stCondLst>
-                                  <p:childTnLst>
-                                    <p:set>
-                                      <p:cBhvr>
-                                        <p:cTn id="6" dur="1" fill="hold">
-                                          <p:stCondLst>
-                                            <p:cond delay="0"/>
-                                          </p:stCondLst>
-                                        </p:cTn>
-                                        <p:tgtEl>
-                                          <p:spTgt spid="46"/>
-                                        </p:tgtEl>
-                                        <p:attrNameLst>
-                                          <p:attrName>style.visibility</p:attrName>
-                                        </p:attrNameLst>
-                                      </p:cBhvr>
-                                      <p:to>
-                                        <p:strVal val="visible"/>
-                                      </p:to>
-                                    </p:set>
-                                  </p:childTnLst>
-                                  <p:subTnLst>
-                                    <p:set>
-                                      <p:cBhvr override="childStyle">
-                                        <p:cTn dur="1" fill="hold" display="0" masterRel="nextClick" afterEffect="1"/>
-                                        <p:tgtEl>
-                                          <p:spTgt spid="46"/>
-                                        </p:tgtEl>
-                                        <p:attrNameLst>
-                                          <p:attrName>style.visibility</p:attrName>
-                                        </p:attrNameLst>
-                                      </p:cBhvr>
-                                      <p:to>
-                                        <p:strVal val="hidden"/>
-                                      </p:to>
-                                    </p:set>
-                                  </p:subTnLst>
-                                </p:cTn>
-                              </p:par>
-                            </p:childTnLst>
-                          </p:cTn>
-                        </p:par>
-                      </p:childTnLst>
-                    </p:cTn>
-                  </p:par>
-                </p:childTnLst>
-              </p:cTn>
-              <p:prevCondLst>
-                <p:cond evt="onPrev" delay="0">
-                  <p:tgtEl>
-                    <p:sldTgt/>
-                  </p:tgtEl>
-                </p:cond>
-              </p:prevCondLst>
-              <p:nextCondLst>
-                <p:cond evt="onNext" delay="0">
-                  <p:tgtEl>
-                    <p:sldTgt/>
-                  </p:tgtEl>
-                </p:cond>
-              </p:nextCondLst>
-            </p:seq>
-          </p:childTnLst>
-        </p:cTn>
+        <p:cTn id="1" dur="indefinite" restart="never" nodeType="tmRoot"/>
       </p:par>
     </p:tnLst>
   </p:timing>
